--- a/ppt/angular/Angular13-RXJS.pptx
+++ b/ppt/angular/Angular13-RXJS.pptx
@@ -5,10 +5,10 @@
     <p:sldMasterId id="2147483653" r:id="rId1"/>
   </p:sldMasterIdLst>
   <p:notesMasterIdLst>
-    <p:notesMasterId r:id="rId19"/>
+    <p:notesMasterId r:id="rId28"/>
   </p:notesMasterIdLst>
   <p:handoutMasterIdLst>
-    <p:handoutMasterId r:id="rId20"/>
+    <p:handoutMasterId r:id="rId29"/>
   </p:handoutMasterIdLst>
   <p:sldIdLst>
     <p:sldId id="264" r:id="rId2"/>
@@ -28,6 +28,15 @@
     <p:sldId id="280" r:id="rId16"/>
     <p:sldId id="273" r:id="rId17"/>
     <p:sldId id="281" r:id="rId18"/>
+    <p:sldId id="282" r:id="rId19"/>
+    <p:sldId id="283" r:id="rId20"/>
+    <p:sldId id="284" r:id="rId21"/>
+    <p:sldId id="285" r:id="rId22"/>
+    <p:sldId id="286" r:id="rId23"/>
+    <p:sldId id="287" r:id="rId24"/>
+    <p:sldId id="288" r:id="rId25"/>
+    <p:sldId id="289" r:id="rId26"/>
+    <p:sldId id="290" r:id="rId27"/>
   </p:sldIdLst>
   <p:sldSz cx="9144000" cy="6858000" type="screen4x3"/>
   <p:notesSz cx="6648450" cy="9782175"/>
@@ -3705,13 +3714,8 @@
             <a:pPr eaLnBrk="1" hangingPunct="1"/>
             <a:r>
               <a:rPr lang="fr-FR" altLang="fr-FR" dirty="0" smtClean="0"/>
-              <a:t>Chapitre </a:t>
-            </a:r>
-            <a:r>
-              <a:rPr lang="fr-FR" altLang="fr-FR" dirty="0" smtClean="0"/>
-              <a:t>13</a:t>
-            </a:r>
-            <a:endParaRPr lang="fr-FR" altLang="fr-FR" dirty="0" smtClean="0"/>
+              <a:t>Chapitre 13</a:t>
+            </a:r>
           </a:p>
           <a:p>
             <a:pPr eaLnBrk="1" hangingPunct="1"/>
@@ -3719,7 +3723,6 @@
               <a:rPr lang="fr-FR" altLang="fr-FR" dirty="0" smtClean="0"/>
               <a:t>RXJS</a:t>
             </a:r>
-            <a:endParaRPr lang="fr-FR" altLang="fr-FR" dirty="0" smtClean="0"/>
           </a:p>
         </p:txBody>
       </p:sp>
@@ -5081,6 +5084,327 @@
 </p:sld>
 </file>
 
+<file path=ppt/slides/slide18.xml><?xml version="1.0" encoding="utf-8"?>
+<p:sld xmlns:a="http://schemas.openxmlformats.org/drawingml/2006/main" xmlns:r="http://schemas.openxmlformats.org/officeDocument/2006/relationships" xmlns:p="http://schemas.openxmlformats.org/presentationml/2006/main">
+  <p:cSld>
+    <p:spTree>
+      <p:nvGrpSpPr>
+        <p:cNvPr id="1" name=""/>
+        <p:cNvGrpSpPr/>
+        <p:nvPr/>
+      </p:nvGrpSpPr>
+      <p:grpSpPr>
+        <a:xfrm>
+          <a:off x="0" y="0"/>
+          <a:ext cx="0" cy="0"/>
+          <a:chOff x="0" y="0"/>
+          <a:chExt cx="0" cy="0"/>
+        </a:xfrm>
+      </p:grpSpPr>
+      <p:sp>
+        <p:nvSpPr>
+          <p:cNvPr id="2" name="Titre 1"/>
+          <p:cNvSpPr>
+            <a:spLocks noGrp="1"/>
+          </p:cNvSpPr>
+          <p:nvPr>
+            <p:ph type="title"/>
+          </p:nvPr>
+        </p:nvSpPr>
+        <p:spPr/>
+        <p:txBody>
+          <a:bodyPr/>
+          <a:lstStyle/>
+          <a:p>
+            <a:r>
+              <a:rPr lang="fr-FR" dirty="0" smtClean="0"/>
+              <a:t>Les services réactifs</a:t>
+            </a:r>
+            <a:endParaRPr lang="fr-FR" dirty="0"/>
+          </a:p>
+        </p:txBody>
+      </p:sp>
+      <p:sp>
+        <p:nvSpPr>
+          <p:cNvPr id="3" name="Espace réservé du contenu 2"/>
+          <p:cNvSpPr>
+            <a:spLocks noGrp="1"/>
+          </p:cNvSpPr>
+          <p:nvPr>
+            <p:ph idx="1"/>
+          </p:nvPr>
+        </p:nvSpPr>
+        <p:spPr/>
+        <p:txBody>
+          <a:bodyPr/>
+          <a:lstStyle/>
+          <a:p>
+            <a:r>
+              <a:rPr lang="fr-FR" dirty="0" smtClean="0"/>
+              <a:t>Les services sont souvent un peu lent</a:t>
+            </a:r>
+          </a:p>
+          <a:p>
+            <a:pPr lvl="1"/>
+            <a:r>
+              <a:rPr lang="fr-FR" dirty="0" smtClean="0"/>
+              <a:t>Appel de service REST</a:t>
+            </a:r>
+          </a:p>
+          <a:p>
+            <a:pPr lvl="1"/>
+            <a:r>
+              <a:rPr lang="fr-FR" dirty="0" smtClean="0"/>
+              <a:t>Asynchrones</a:t>
+            </a:r>
+          </a:p>
+          <a:p>
+            <a:r>
+              <a:rPr lang="fr-FR" dirty="0" smtClean="0"/>
+              <a:t>Les servies manipulent des données</a:t>
+            </a:r>
+          </a:p>
+          <a:p>
+            <a:pPr lvl="1"/>
+            <a:r>
+              <a:rPr lang="fr-FR" dirty="0" smtClean="0"/>
+              <a:t>Programmation fonctionnel</a:t>
+            </a:r>
+          </a:p>
+          <a:p>
+            <a:r>
+              <a:rPr lang="fr-FR" dirty="0" smtClean="0"/>
+              <a:t>Pour toutes ces raisons les services </a:t>
+            </a:r>
+            <a:r>
+              <a:rPr lang="fr-FR" dirty="0" err="1" smtClean="0"/>
+              <a:t>Angular</a:t>
+            </a:r>
+            <a:r>
+              <a:rPr lang="fr-FR" dirty="0" smtClean="0"/>
+              <a:t> doivent être réactifs</a:t>
+            </a:r>
+          </a:p>
+          <a:p>
+            <a:pPr lvl="1"/>
+            <a:r>
+              <a:rPr lang="fr-FR" dirty="0" smtClean="0"/>
+              <a:t>Implémenté nativement dans </a:t>
+            </a:r>
+            <a:r>
+              <a:rPr lang="fr-FR" dirty="0" err="1" smtClean="0"/>
+              <a:t>Angular</a:t>
+            </a:r>
+            <a:r>
+              <a:rPr lang="fr-FR" dirty="0" smtClean="0"/>
+              <a:t> 6</a:t>
+            </a:r>
+          </a:p>
+          <a:p>
+            <a:r>
+              <a:rPr lang="fr-FR" dirty="0" smtClean="0"/>
+              <a:t>Import de </a:t>
+            </a:r>
+            <a:r>
+              <a:rPr lang="fr-FR" dirty="0" err="1" smtClean="0"/>
+              <a:t>RxJS</a:t>
+            </a:r>
+            <a:r>
+              <a:rPr lang="fr-FR" dirty="0" smtClean="0"/>
+              <a:t> dans le service</a:t>
+            </a:r>
+          </a:p>
+          <a:p>
+            <a:pPr lvl="1"/>
+            <a:r>
+              <a:rPr lang="en-US" dirty="0"/>
+              <a:t>import { Observable, of } from '</a:t>
+            </a:r>
+            <a:r>
+              <a:rPr lang="en-US" dirty="0" err="1"/>
+              <a:t>rxjs</a:t>
+            </a:r>
+            <a:r>
+              <a:rPr lang="en-US" dirty="0"/>
+              <a:t>';</a:t>
+            </a:r>
+            <a:endParaRPr lang="fr-FR" dirty="0"/>
+          </a:p>
+        </p:txBody>
+      </p:sp>
+    </p:spTree>
+    <p:extLst>
+      <p:ext uri="{BB962C8B-B14F-4D97-AF65-F5344CB8AC3E}">
+        <p14:creationId xmlns:p14="http://schemas.microsoft.com/office/powerpoint/2010/main" val="166525233"/>
+      </p:ext>
+    </p:extLst>
+  </p:cSld>
+  <p:clrMapOvr>
+    <a:masterClrMapping/>
+  </p:clrMapOvr>
+</p:sld>
+</file>
+
+<file path=ppt/slides/slide19.xml><?xml version="1.0" encoding="utf-8"?>
+<p:sld xmlns:a="http://schemas.openxmlformats.org/drawingml/2006/main" xmlns:r="http://schemas.openxmlformats.org/officeDocument/2006/relationships" xmlns:p="http://schemas.openxmlformats.org/presentationml/2006/main">
+  <p:cSld>
+    <p:spTree>
+      <p:nvGrpSpPr>
+        <p:cNvPr id="1" name=""/>
+        <p:cNvGrpSpPr/>
+        <p:nvPr/>
+      </p:nvGrpSpPr>
+      <p:grpSpPr>
+        <a:xfrm>
+          <a:off x="0" y="0"/>
+          <a:ext cx="0" cy="0"/>
+          <a:chOff x="0" y="0"/>
+          <a:chExt cx="0" cy="0"/>
+        </a:xfrm>
+      </p:grpSpPr>
+      <p:sp>
+        <p:nvSpPr>
+          <p:cNvPr id="2" name="Titre 1"/>
+          <p:cNvSpPr>
+            <a:spLocks noGrp="1"/>
+          </p:cNvSpPr>
+          <p:nvPr>
+            <p:ph type="title"/>
+          </p:nvPr>
+        </p:nvSpPr>
+        <p:spPr/>
+        <p:txBody>
+          <a:bodyPr/>
+          <a:lstStyle/>
+          <a:p>
+            <a:r>
+              <a:rPr lang="fr-FR" dirty="0" smtClean="0"/>
+              <a:t>Service observable</a:t>
+            </a:r>
+            <a:endParaRPr lang="fr-FR" dirty="0"/>
+          </a:p>
+        </p:txBody>
+      </p:sp>
+      <p:sp>
+        <p:nvSpPr>
+          <p:cNvPr id="3" name="Espace réservé du contenu 2"/>
+          <p:cNvSpPr>
+            <a:spLocks noGrp="1"/>
+          </p:cNvSpPr>
+          <p:nvPr>
+            <p:ph idx="1"/>
+          </p:nvPr>
+        </p:nvSpPr>
+        <p:spPr/>
+        <p:txBody>
+          <a:bodyPr/>
+          <a:lstStyle/>
+          <a:p>
+            <a:r>
+              <a:rPr lang="fr-FR" dirty="0" smtClean="0"/>
+              <a:t>Les méthodes des services devraient être observables</a:t>
+            </a:r>
+          </a:p>
+          <a:p>
+            <a:pPr marL="457200" lvl="1" indent="0">
+              <a:buNone/>
+            </a:pPr>
+            <a:r>
+              <a:rPr lang="fr-FR" dirty="0" err="1"/>
+              <a:t>getHeroes</a:t>
+            </a:r>
+            <a:r>
+              <a:rPr lang="fr-FR" dirty="0"/>
+              <a:t>(): Observable&lt;</a:t>
+            </a:r>
+            <a:r>
+              <a:rPr lang="fr-FR" dirty="0" err="1"/>
+              <a:t>Hero</a:t>
+            </a:r>
+            <a:r>
+              <a:rPr lang="fr-FR" dirty="0"/>
+              <a:t>[]&gt; {</a:t>
+            </a:r>
+          </a:p>
+          <a:p>
+            <a:pPr marL="457200" lvl="1" indent="0">
+              <a:buNone/>
+            </a:pPr>
+            <a:r>
+              <a:rPr lang="fr-FR" dirty="0"/>
+              <a:t>  return of(HEROES);</a:t>
+            </a:r>
+          </a:p>
+          <a:p>
+            <a:pPr marL="457200" lvl="1" indent="0">
+              <a:buNone/>
+            </a:pPr>
+            <a:r>
+              <a:rPr lang="fr-FR" dirty="0" smtClean="0"/>
+              <a:t>}</a:t>
+            </a:r>
+          </a:p>
+          <a:p>
+            <a:r>
+              <a:rPr lang="fr-FR" dirty="0" smtClean="0"/>
+              <a:t>Les services Web seront également observables</a:t>
+            </a:r>
+          </a:p>
+          <a:p>
+            <a:pPr lvl="1"/>
+            <a:r>
+              <a:rPr lang="fr-FR" dirty="0" err="1"/>
+              <a:t>HttpClient.get</a:t>
+            </a:r>
+            <a:r>
+              <a:rPr lang="fr-FR" dirty="0"/>
+              <a:t>&lt;</a:t>
+            </a:r>
+            <a:r>
+              <a:rPr lang="fr-FR" dirty="0" err="1"/>
+              <a:t>Hero</a:t>
+            </a:r>
+            <a:r>
+              <a:rPr lang="fr-FR" dirty="0"/>
+              <a:t>[]&gt;()</a:t>
+            </a:r>
+            <a:endParaRPr lang="fr-FR" dirty="0" smtClean="0"/>
+          </a:p>
+          <a:p>
+            <a:pPr marL="457200" lvl="1" indent="0">
+              <a:buNone/>
+            </a:pPr>
+            <a:endParaRPr lang="fr-FR" dirty="0" smtClean="0"/>
+          </a:p>
+          <a:p>
+            <a:pPr marL="457200" lvl="1" indent="0">
+              <a:buNone/>
+            </a:pPr>
+            <a:r>
+              <a:rPr lang="fr-FR" dirty="0"/>
+              <a:t>	</a:t>
+            </a:r>
+            <a:r>
+              <a:rPr lang="fr-FR" dirty="0" smtClean="0"/>
+              <a:t>				</a:t>
+            </a:r>
+            <a:endParaRPr lang="fr-FR" dirty="0"/>
+          </a:p>
+        </p:txBody>
+      </p:sp>
+    </p:spTree>
+    <p:extLst>
+      <p:ext uri="{BB962C8B-B14F-4D97-AF65-F5344CB8AC3E}">
+        <p14:creationId xmlns:p14="http://schemas.microsoft.com/office/powerpoint/2010/main" val="1642268352"/>
+      </p:ext>
+    </p:extLst>
+  </p:cSld>
+  <p:clrMapOvr>
+    <a:masterClrMapping/>
+  </p:clrMapOvr>
+</p:sld>
+</file>
+
 <file path=ppt/slides/slide2.xml><?xml version="1.0" encoding="utf-8"?>
 <p:sld xmlns:a="http://schemas.openxmlformats.org/drawingml/2006/main" xmlns:r="http://schemas.openxmlformats.org/officeDocument/2006/relationships" xmlns:p="http://schemas.openxmlformats.org/presentationml/2006/main">
   <p:cSld>
@@ -5191,7 +5515,6 @@
               <a:rPr lang="fr-FR" dirty="0" smtClean="0"/>
               <a:t>Lambda et générateur de Python</a:t>
             </a:r>
-            <a:endParaRPr lang="fr-FR" dirty="0" smtClean="0"/>
           </a:p>
           <a:p>
             <a:r>
@@ -5217,7 +5540,6 @@
               <a:rPr lang="fr-FR" dirty="0" smtClean="0"/>
               <a:t>Massivement utilisée</a:t>
             </a:r>
-            <a:endParaRPr lang="fr-FR" dirty="0" smtClean="0"/>
           </a:p>
         </p:txBody>
       </p:sp>
@@ -5279,6 +5601,977 @@
       </p:par>
     </p:tnLst>
   </p:timing>
+</p:sld>
+</file>
+
+<file path=ppt/slides/slide20.xml><?xml version="1.0" encoding="utf-8"?>
+<p:sld xmlns:a="http://schemas.openxmlformats.org/drawingml/2006/main" xmlns:r="http://schemas.openxmlformats.org/officeDocument/2006/relationships" xmlns:p="http://schemas.openxmlformats.org/presentationml/2006/main">
+  <p:cSld>
+    <p:spTree>
+      <p:nvGrpSpPr>
+        <p:cNvPr id="1" name=""/>
+        <p:cNvGrpSpPr/>
+        <p:nvPr/>
+      </p:nvGrpSpPr>
+      <p:grpSpPr>
+        <a:xfrm>
+          <a:off x="0" y="0"/>
+          <a:ext cx="0" cy="0"/>
+          <a:chOff x="0" y="0"/>
+          <a:chExt cx="0" cy="0"/>
+        </a:xfrm>
+      </p:grpSpPr>
+      <p:sp>
+        <p:nvSpPr>
+          <p:cNvPr id="2" name="Titre 1"/>
+          <p:cNvSpPr>
+            <a:spLocks noGrp="1"/>
+          </p:cNvSpPr>
+          <p:nvPr>
+            <p:ph type="title"/>
+          </p:nvPr>
+        </p:nvSpPr>
+        <p:spPr/>
+        <p:txBody>
+          <a:bodyPr/>
+          <a:lstStyle/>
+          <a:p>
+            <a:r>
+              <a:rPr lang="fr-FR" dirty="0" smtClean="0"/>
+              <a:t>Souscription dans le composant</a:t>
+            </a:r>
+            <a:endParaRPr lang="fr-FR" dirty="0"/>
+          </a:p>
+        </p:txBody>
+      </p:sp>
+      <p:sp>
+        <p:nvSpPr>
+          <p:cNvPr id="3" name="Espace réservé du contenu 2"/>
+          <p:cNvSpPr>
+            <a:spLocks noGrp="1"/>
+          </p:cNvSpPr>
+          <p:nvPr>
+            <p:ph idx="1"/>
+          </p:nvPr>
+        </p:nvSpPr>
+        <p:spPr/>
+        <p:txBody>
+          <a:bodyPr/>
+          <a:lstStyle/>
+          <a:p>
+            <a:r>
+              <a:rPr lang="fr-FR" dirty="0" smtClean="0"/>
+              <a:t>La signature du service ayant changée il faut adapter le composant</a:t>
+            </a:r>
+          </a:p>
+          <a:p>
+            <a:r>
+              <a:rPr lang="fr-FR" dirty="0" smtClean="0"/>
+              <a:t>Le composant doit souscrire le service</a:t>
+            </a:r>
+          </a:p>
+          <a:p>
+            <a:pPr marL="400050" lvl="1" indent="0">
+              <a:buNone/>
+            </a:pPr>
+            <a:r>
+              <a:rPr lang="fr-FR" dirty="0" err="1"/>
+              <a:t>getHeroes</a:t>
+            </a:r>
+            <a:r>
+              <a:rPr lang="fr-FR" dirty="0"/>
+              <a:t>(): </a:t>
+            </a:r>
+            <a:r>
+              <a:rPr lang="fr-FR" dirty="0" err="1"/>
+              <a:t>void</a:t>
+            </a:r>
+            <a:r>
+              <a:rPr lang="fr-FR" dirty="0"/>
+              <a:t> {</a:t>
+            </a:r>
+          </a:p>
+          <a:p>
+            <a:pPr marL="400050" lvl="1" indent="0">
+              <a:buNone/>
+            </a:pPr>
+            <a:r>
+              <a:rPr lang="fr-FR" dirty="0"/>
+              <a:t>  </a:t>
+            </a:r>
+            <a:r>
+              <a:rPr lang="fr-FR" dirty="0" err="1"/>
+              <a:t>this.heroService.getHeroes</a:t>
+            </a:r>
+            <a:r>
+              <a:rPr lang="fr-FR" dirty="0"/>
+              <a:t>()</a:t>
+            </a:r>
+          </a:p>
+          <a:p>
+            <a:pPr marL="400050" lvl="1" indent="0">
+              <a:buNone/>
+            </a:pPr>
+            <a:r>
+              <a:rPr lang="fr-FR" dirty="0"/>
+              <a:t>      .</a:t>
+            </a:r>
+            <a:r>
+              <a:rPr lang="fr-FR" dirty="0" err="1"/>
+              <a:t>subscribe</a:t>
+            </a:r>
+            <a:r>
+              <a:rPr lang="fr-FR" dirty="0"/>
+              <a:t>(</a:t>
+            </a:r>
+            <a:r>
+              <a:rPr lang="fr-FR" dirty="0" err="1"/>
+              <a:t>heroes</a:t>
+            </a:r>
+            <a:r>
+              <a:rPr lang="fr-FR" dirty="0"/>
+              <a:t> =&gt; </a:t>
+            </a:r>
+            <a:r>
+              <a:rPr lang="fr-FR" dirty="0" err="1"/>
+              <a:t>this.heroes</a:t>
+            </a:r>
+            <a:r>
+              <a:rPr lang="fr-FR" dirty="0"/>
+              <a:t> = </a:t>
+            </a:r>
+            <a:r>
+              <a:rPr lang="fr-FR" dirty="0" err="1"/>
+              <a:t>heroes</a:t>
+            </a:r>
+            <a:r>
+              <a:rPr lang="fr-FR" dirty="0"/>
+              <a:t>);</a:t>
+            </a:r>
+          </a:p>
+          <a:p>
+            <a:pPr marL="400050" lvl="1" indent="0">
+              <a:buNone/>
+            </a:pPr>
+            <a:r>
+              <a:rPr lang="fr-FR" dirty="0" smtClean="0"/>
+              <a:t>}</a:t>
+            </a:r>
+          </a:p>
+          <a:p>
+            <a:r>
+              <a:rPr lang="fr-FR" dirty="0" smtClean="0"/>
+              <a:t>Ceci met en pace un </a:t>
+            </a:r>
+            <a:r>
+              <a:rPr lang="fr-FR" dirty="0" err="1" smtClean="0"/>
+              <a:t>two</a:t>
+            </a:r>
+            <a:r>
+              <a:rPr lang="fr-FR" dirty="0" smtClean="0"/>
+              <a:t> </a:t>
+            </a:r>
+            <a:r>
+              <a:rPr lang="fr-FR" dirty="0" err="1" smtClean="0"/>
+              <a:t>ways</a:t>
+            </a:r>
+            <a:r>
+              <a:rPr lang="fr-FR" dirty="0" smtClean="0"/>
+              <a:t> data binding asynchrone</a:t>
+            </a:r>
+          </a:p>
+          <a:p>
+            <a:pPr lvl="1"/>
+            <a:r>
+              <a:rPr lang="fr-FR" dirty="0" smtClean="0"/>
+              <a:t>Cette version "attend" que le service réponde pour binder les données</a:t>
+            </a:r>
+            <a:endParaRPr lang="fr-FR" dirty="0"/>
+          </a:p>
+        </p:txBody>
+      </p:sp>
+    </p:spTree>
+    <p:extLst>
+      <p:ext uri="{BB962C8B-B14F-4D97-AF65-F5344CB8AC3E}">
+        <p14:creationId xmlns:p14="http://schemas.microsoft.com/office/powerpoint/2010/main" val="3515010480"/>
+      </p:ext>
+    </p:extLst>
+  </p:cSld>
+  <p:clrMapOvr>
+    <a:masterClrMapping/>
+  </p:clrMapOvr>
+</p:sld>
+</file>
+
+<file path=ppt/slides/slide21.xml><?xml version="1.0" encoding="utf-8"?>
+<p:sld xmlns:a="http://schemas.openxmlformats.org/drawingml/2006/main" xmlns:r="http://schemas.openxmlformats.org/officeDocument/2006/relationships" xmlns:p="http://schemas.openxmlformats.org/presentationml/2006/main">
+  <p:cSld>
+    <p:spTree>
+      <p:nvGrpSpPr>
+        <p:cNvPr id="1" name=""/>
+        <p:cNvGrpSpPr/>
+        <p:nvPr/>
+      </p:nvGrpSpPr>
+      <p:grpSpPr>
+        <a:xfrm>
+          <a:off x="0" y="0"/>
+          <a:ext cx="0" cy="0"/>
+          <a:chOff x="0" y="0"/>
+          <a:chExt cx="0" cy="0"/>
+        </a:xfrm>
+      </p:grpSpPr>
+      <p:sp>
+        <p:nvSpPr>
+          <p:cNvPr id="2" name="Titre 1"/>
+          <p:cNvSpPr>
+            <a:spLocks noGrp="1"/>
+          </p:cNvSpPr>
+          <p:nvPr>
+            <p:ph type="title"/>
+          </p:nvPr>
+        </p:nvSpPr>
+        <p:spPr/>
+        <p:txBody>
+          <a:bodyPr/>
+          <a:lstStyle/>
+          <a:p>
+            <a:r>
+              <a:rPr lang="fr-FR" dirty="0" smtClean="0"/>
+              <a:t>Gestion des messages</a:t>
+            </a:r>
+            <a:endParaRPr lang="fr-FR" dirty="0"/>
+          </a:p>
+        </p:txBody>
+      </p:sp>
+      <p:sp>
+        <p:nvSpPr>
+          <p:cNvPr id="3" name="Espace réservé du contenu 2"/>
+          <p:cNvSpPr>
+            <a:spLocks noGrp="1"/>
+          </p:cNvSpPr>
+          <p:nvPr>
+            <p:ph idx="1"/>
+          </p:nvPr>
+        </p:nvSpPr>
+        <p:spPr/>
+        <p:txBody>
+          <a:bodyPr/>
+          <a:lstStyle/>
+          <a:p>
+            <a:r>
+              <a:rPr lang="fr-FR" dirty="0" smtClean="0"/>
+              <a:t>Si jamais le service est en panne il faut attendre un timeout pour afficher un éventuel message d'erreur</a:t>
+            </a:r>
+          </a:p>
+          <a:p>
+            <a:r>
+              <a:rPr lang="fr-FR" dirty="0" smtClean="0"/>
+              <a:t>Il serait utile d'avoir un gestionnaire de message qui affiche des informations à l'écran</a:t>
+            </a:r>
+          </a:p>
+          <a:p>
+            <a:pPr lvl="1"/>
+            <a:r>
+              <a:rPr lang="fr-FR" dirty="0" smtClean="0"/>
+              <a:t>Dans le cas d'une page complexe le nombre de service asynchrone est très important</a:t>
+            </a:r>
+          </a:p>
+          <a:p>
+            <a:pPr lvl="1"/>
+            <a:r>
+              <a:rPr lang="fr-FR" dirty="0" smtClean="0"/>
+              <a:t>Tout se charge + ou - vite dans n'importe quel ordre</a:t>
+            </a:r>
+            <a:endParaRPr lang="fr-FR" dirty="0"/>
+          </a:p>
+        </p:txBody>
+      </p:sp>
+    </p:spTree>
+    <p:extLst>
+      <p:ext uri="{BB962C8B-B14F-4D97-AF65-F5344CB8AC3E}">
+        <p14:creationId xmlns:p14="http://schemas.microsoft.com/office/powerpoint/2010/main" val="3091176005"/>
+      </p:ext>
+    </p:extLst>
+  </p:cSld>
+  <p:clrMapOvr>
+    <a:masterClrMapping/>
+  </p:clrMapOvr>
+</p:sld>
+</file>
+
+<file path=ppt/slides/slide22.xml><?xml version="1.0" encoding="utf-8"?>
+<p:sld xmlns:a="http://schemas.openxmlformats.org/drawingml/2006/main" xmlns:r="http://schemas.openxmlformats.org/officeDocument/2006/relationships" xmlns:p="http://schemas.openxmlformats.org/presentationml/2006/main">
+  <p:cSld>
+    <p:spTree>
+      <p:nvGrpSpPr>
+        <p:cNvPr id="1" name=""/>
+        <p:cNvGrpSpPr/>
+        <p:nvPr/>
+      </p:nvGrpSpPr>
+      <p:grpSpPr>
+        <a:xfrm>
+          <a:off x="0" y="0"/>
+          <a:ext cx="0" cy="0"/>
+          <a:chOff x="0" y="0"/>
+          <a:chExt cx="0" cy="0"/>
+        </a:xfrm>
+      </p:grpSpPr>
+      <p:sp>
+        <p:nvSpPr>
+          <p:cNvPr id="2" name="Titre 1"/>
+          <p:cNvSpPr>
+            <a:spLocks noGrp="1"/>
+          </p:cNvSpPr>
+          <p:nvPr>
+            <p:ph type="title"/>
+          </p:nvPr>
+        </p:nvSpPr>
+        <p:spPr/>
+        <p:txBody>
+          <a:bodyPr/>
+          <a:lstStyle/>
+          <a:p>
+            <a:r>
+              <a:rPr lang="fr-FR" dirty="0" smtClean="0"/>
+              <a:t>Création d'un service messagerie</a:t>
+            </a:r>
+            <a:endParaRPr lang="fr-FR" dirty="0"/>
+          </a:p>
+        </p:txBody>
+      </p:sp>
+      <p:sp>
+        <p:nvSpPr>
+          <p:cNvPr id="3" name="Espace réservé du contenu 2"/>
+          <p:cNvSpPr>
+            <a:spLocks noGrp="1"/>
+          </p:cNvSpPr>
+          <p:nvPr>
+            <p:ph idx="1"/>
+          </p:nvPr>
+        </p:nvSpPr>
+        <p:spPr/>
+        <p:txBody>
+          <a:bodyPr/>
+          <a:lstStyle/>
+          <a:p>
+            <a:r>
+              <a:rPr lang="fr-FR" dirty="0" smtClean="0"/>
+              <a:t>Un service messagerie est un service observable qui avec se qui sera injecté dans les autres services et composants</a:t>
+            </a:r>
+          </a:p>
+          <a:p>
+            <a:pPr lvl="1"/>
+            <a:r>
+              <a:rPr lang="fr-FR" dirty="0" err="1"/>
+              <a:t>ng</a:t>
+            </a:r>
+            <a:r>
+              <a:rPr lang="fr-FR" dirty="0"/>
+              <a:t> </a:t>
+            </a:r>
+            <a:r>
+              <a:rPr lang="fr-FR" dirty="0" err="1"/>
+              <a:t>generate</a:t>
+            </a:r>
+            <a:r>
+              <a:rPr lang="fr-FR" dirty="0"/>
+              <a:t> service </a:t>
+            </a:r>
+            <a:r>
+              <a:rPr lang="fr-FR" dirty="0" smtClean="0"/>
+              <a:t>message</a:t>
+            </a:r>
+          </a:p>
+          <a:p>
+            <a:endParaRPr lang="fr-FR" dirty="0"/>
+          </a:p>
+        </p:txBody>
+      </p:sp>
+    </p:spTree>
+    <p:extLst>
+      <p:ext uri="{BB962C8B-B14F-4D97-AF65-F5344CB8AC3E}">
+        <p14:creationId xmlns:p14="http://schemas.microsoft.com/office/powerpoint/2010/main" val="648171003"/>
+      </p:ext>
+    </p:extLst>
+  </p:cSld>
+  <p:clrMapOvr>
+    <a:masterClrMapping/>
+  </p:clrMapOvr>
+</p:sld>
+</file>
+
+<file path=ppt/slides/slide23.xml><?xml version="1.0" encoding="utf-8"?>
+<p:sld xmlns:a="http://schemas.openxmlformats.org/drawingml/2006/main" xmlns:r="http://schemas.openxmlformats.org/officeDocument/2006/relationships" xmlns:p="http://schemas.openxmlformats.org/presentationml/2006/main">
+  <p:cSld>
+    <p:spTree>
+      <p:nvGrpSpPr>
+        <p:cNvPr id="1" name=""/>
+        <p:cNvGrpSpPr/>
+        <p:nvPr/>
+      </p:nvGrpSpPr>
+      <p:grpSpPr>
+        <a:xfrm>
+          <a:off x="0" y="0"/>
+          <a:ext cx="0" cy="0"/>
+          <a:chOff x="0" y="0"/>
+          <a:chExt cx="0" cy="0"/>
+        </a:xfrm>
+      </p:grpSpPr>
+      <p:sp>
+        <p:nvSpPr>
+          <p:cNvPr id="2" name="Titre 1"/>
+          <p:cNvSpPr>
+            <a:spLocks noGrp="1"/>
+          </p:cNvSpPr>
+          <p:nvPr>
+            <p:ph type="title"/>
+          </p:nvPr>
+        </p:nvSpPr>
+        <p:spPr/>
+        <p:txBody>
+          <a:bodyPr/>
+          <a:lstStyle/>
+          <a:p>
+            <a:r>
+              <a:rPr lang="fr-FR" dirty="0" smtClean="0"/>
+              <a:t>Service message</a:t>
+            </a:r>
+            <a:endParaRPr lang="fr-FR" dirty="0"/>
+          </a:p>
+        </p:txBody>
+      </p:sp>
+      <p:sp>
+        <p:nvSpPr>
+          <p:cNvPr id="3" name="Espace réservé du contenu 2"/>
+          <p:cNvSpPr>
+            <a:spLocks noGrp="1"/>
+          </p:cNvSpPr>
+          <p:nvPr>
+            <p:ph idx="1"/>
+          </p:nvPr>
+        </p:nvSpPr>
+        <p:spPr/>
+        <p:txBody>
+          <a:bodyPr/>
+          <a:lstStyle/>
+          <a:p>
+            <a:endParaRPr lang="fr-FR"/>
+          </a:p>
+        </p:txBody>
+      </p:sp>
+      <p:pic>
+        <p:nvPicPr>
+          <p:cNvPr id="4" name="Image 3"/>
+          <p:cNvPicPr>
+            <a:picLocks noChangeAspect="1"/>
+          </p:cNvPicPr>
+          <p:nvPr/>
+        </p:nvPicPr>
+        <p:blipFill>
+          <a:blip r:embed="rId2"/>
+          <a:stretch>
+            <a:fillRect/>
+          </a:stretch>
+        </p:blipFill>
+        <p:spPr>
+          <a:xfrm>
+            <a:off x="1979712" y="1156209"/>
+            <a:ext cx="4680520" cy="4911340"/>
+          </a:xfrm>
+          <a:prstGeom prst="rect">
+            <a:avLst/>
+          </a:prstGeom>
+        </p:spPr>
+      </p:pic>
+    </p:spTree>
+    <p:extLst>
+      <p:ext uri="{BB962C8B-B14F-4D97-AF65-F5344CB8AC3E}">
+        <p14:creationId xmlns:p14="http://schemas.microsoft.com/office/powerpoint/2010/main" val="546868959"/>
+      </p:ext>
+    </p:extLst>
+  </p:cSld>
+  <p:clrMapOvr>
+    <a:masterClrMapping/>
+  </p:clrMapOvr>
+</p:sld>
+</file>
+
+<file path=ppt/slides/slide24.xml><?xml version="1.0" encoding="utf-8"?>
+<p:sld xmlns:a="http://schemas.openxmlformats.org/drawingml/2006/main" xmlns:r="http://schemas.openxmlformats.org/officeDocument/2006/relationships" xmlns:p="http://schemas.openxmlformats.org/presentationml/2006/main">
+  <p:cSld>
+    <p:spTree>
+      <p:nvGrpSpPr>
+        <p:cNvPr id="1" name=""/>
+        <p:cNvGrpSpPr/>
+        <p:nvPr/>
+      </p:nvGrpSpPr>
+      <p:grpSpPr>
+        <a:xfrm>
+          <a:off x="0" y="0"/>
+          <a:ext cx="0" cy="0"/>
+          <a:chOff x="0" y="0"/>
+          <a:chExt cx="0" cy="0"/>
+        </a:xfrm>
+      </p:grpSpPr>
+      <p:sp>
+        <p:nvSpPr>
+          <p:cNvPr id="2" name="Titre 1"/>
+          <p:cNvSpPr>
+            <a:spLocks noGrp="1"/>
+          </p:cNvSpPr>
+          <p:nvPr>
+            <p:ph type="title"/>
+          </p:nvPr>
+        </p:nvSpPr>
+        <p:spPr/>
+        <p:txBody>
+          <a:bodyPr/>
+          <a:lstStyle/>
+          <a:p>
+            <a:r>
+              <a:rPr lang="fr-FR" dirty="0" smtClean="0"/>
+              <a:t>Injection d'un service</a:t>
+            </a:r>
+            <a:endParaRPr lang="fr-FR" dirty="0"/>
+          </a:p>
+        </p:txBody>
+      </p:sp>
+      <p:sp>
+        <p:nvSpPr>
+          <p:cNvPr id="3" name="Espace réservé du contenu 2"/>
+          <p:cNvSpPr>
+            <a:spLocks noGrp="1"/>
+          </p:cNvSpPr>
+          <p:nvPr>
+            <p:ph idx="1"/>
+          </p:nvPr>
+        </p:nvSpPr>
+        <p:spPr/>
+        <p:txBody>
+          <a:bodyPr/>
+          <a:lstStyle/>
+          <a:p>
+            <a:r>
+              <a:rPr lang="fr-FR" dirty="0" smtClean="0"/>
+              <a:t>Le service </a:t>
+            </a:r>
+            <a:r>
+              <a:rPr lang="fr-FR" dirty="0" err="1" smtClean="0"/>
+              <a:t>hero</a:t>
+            </a:r>
+            <a:r>
+              <a:rPr lang="fr-FR" dirty="0" smtClean="0"/>
+              <a:t> a besoin du service message pour fonctionner</a:t>
+            </a:r>
+          </a:p>
+          <a:p>
+            <a:pPr lvl="1"/>
+            <a:r>
+              <a:rPr lang="fr-FR" dirty="0" err="1" smtClean="0"/>
+              <a:t>IoD</a:t>
+            </a:r>
+            <a:r>
+              <a:rPr lang="fr-FR" dirty="0" smtClean="0"/>
+              <a:t> - Injection</a:t>
+            </a:r>
+          </a:p>
+          <a:p>
+            <a:pPr lvl="1"/>
+            <a:r>
+              <a:rPr lang="fr-FR" dirty="0" smtClean="0"/>
+              <a:t>Pas de new !</a:t>
+            </a:r>
+          </a:p>
+          <a:p>
+            <a:r>
+              <a:rPr lang="fr-FR" dirty="0" smtClean="0"/>
+              <a:t>Dans </a:t>
+            </a:r>
+            <a:r>
+              <a:rPr lang="fr-FR" dirty="0" err="1" smtClean="0"/>
+              <a:t>hello.Service.ts</a:t>
+            </a:r>
+            <a:r>
+              <a:rPr lang="fr-FR" dirty="0" smtClean="0"/>
+              <a:t> il faut ajouter</a:t>
+            </a:r>
+          </a:p>
+          <a:p>
+            <a:pPr lvl="1"/>
+            <a:r>
+              <a:rPr lang="fr-FR" dirty="0"/>
+              <a:t>import { </a:t>
+            </a:r>
+            <a:r>
+              <a:rPr lang="fr-FR" dirty="0" err="1"/>
+              <a:t>MessageService</a:t>
+            </a:r>
+            <a:r>
+              <a:rPr lang="fr-FR" dirty="0"/>
+              <a:t> } </a:t>
+            </a:r>
+            <a:r>
+              <a:rPr lang="fr-FR" dirty="0" err="1"/>
+              <a:t>from</a:t>
+            </a:r>
+            <a:r>
+              <a:rPr lang="fr-FR" dirty="0"/>
+              <a:t> './</a:t>
+            </a:r>
+            <a:r>
+              <a:rPr lang="fr-FR" dirty="0" err="1"/>
+              <a:t>message.service</a:t>
+            </a:r>
+            <a:r>
+              <a:rPr lang="fr-FR" dirty="0" smtClean="0"/>
+              <a:t>';</a:t>
+            </a:r>
+          </a:p>
+          <a:p>
+            <a:pPr lvl="1"/>
+            <a:r>
+              <a:rPr lang="fr-FR" dirty="0" err="1"/>
+              <a:t>constructor</a:t>
+            </a:r>
+            <a:r>
+              <a:rPr lang="fr-FR" dirty="0"/>
+              <a:t>(</a:t>
+            </a:r>
+            <a:r>
+              <a:rPr lang="fr-FR" dirty="0" err="1"/>
+              <a:t>private</a:t>
+            </a:r>
+            <a:r>
+              <a:rPr lang="fr-FR" dirty="0"/>
+              <a:t> </a:t>
+            </a:r>
+            <a:r>
+              <a:rPr lang="fr-FR" dirty="0" err="1"/>
+              <a:t>messageService</a:t>
+            </a:r>
+            <a:r>
+              <a:rPr lang="fr-FR" dirty="0"/>
+              <a:t>: </a:t>
+            </a:r>
+            <a:r>
+              <a:rPr lang="fr-FR" dirty="0" err="1"/>
+              <a:t>MessageService</a:t>
+            </a:r>
+            <a:r>
+              <a:rPr lang="fr-FR" dirty="0"/>
+              <a:t>) { </a:t>
+            </a:r>
+            <a:r>
+              <a:rPr lang="fr-FR" dirty="0" smtClean="0"/>
+              <a:t>}</a:t>
+            </a:r>
+          </a:p>
+          <a:p>
+            <a:r>
+              <a:rPr lang="fr-FR" dirty="0" smtClean="0"/>
+              <a:t>Il s'agit d'un scenario service-in-service</a:t>
+            </a:r>
+            <a:endParaRPr lang="fr-FR" dirty="0"/>
+          </a:p>
+        </p:txBody>
+      </p:sp>
+    </p:spTree>
+    <p:extLst>
+      <p:ext uri="{BB962C8B-B14F-4D97-AF65-F5344CB8AC3E}">
+        <p14:creationId xmlns:p14="http://schemas.microsoft.com/office/powerpoint/2010/main" val="1920709861"/>
+      </p:ext>
+    </p:extLst>
+  </p:cSld>
+  <p:clrMapOvr>
+    <a:masterClrMapping/>
+  </p:clrMapOvr>
+</p:sld>
+</file>
+
+<file path=ppt/slides/slide25.xml><?xml version="1.0" encoding="utf-8"?>
+<p:sld xmlns:a="http://schemas.openxmlformats.org/drawingml/2006/main" xmlns:r="http://schemas.openxmlformats.org/officeDocument/2006/relationships" xmlns:p="http://schemas.openxmlformats.org/presentationml/2006/main">
+  <p:cSld>
+    <p:spTree>
+      <p:nvGrpSpPr>
+        <p:cNvPr id="1" name=""/>
+        <p:cNvGrpSpPr/>
+        <p:nvPr/>
+      </p:nvGrpSpPr>
+      <p:grpSpPr>
+        <a:xfrm>
+          <a:off x="0" y="0"/>
+          <a:ext cx="0" cy="0"/>
+          <a:chOff x="0" y="0"/>
+          <a:chExt cx="0" cy="0"/>
+        </a:xfrm>
+      </p:grpSpPr>
+      <p:sp>
+        <p:nvSpPr>
+          <p:cNvPr id="2" name="Titre 1"/>
+          <p:cNvSpPr>
+            <a:spLocks noGrp="1"/>
+          </p:cNvSpPr>
+          <p:nvPr>
+            <p:ph type="title"/>
+          </p:nvPr>
+        </p:nvSpPr>
+        <p:spPr/>
+        <p:txBody>
+          <a:bodyPr/>
+          <a:lstStyle/>
+          <a:p>
+            <a:r>
+              <a:rPr lang="fr-FR" dirty="0" smtClean="0"/>
+              <a:t>service-in-service</a:t>
+            </a:r>
+            <a:endParaRPr lang="fr-FR" dirty="0"/>
+          </a:p>
+        </p:txBody>
+      </p:sp>
+      <p:sp>
+        <p:nvSpPr>
+          <p:cNvPr id="3" name="Espace réservé du contenu 2"/>
+          <p:cNvSpPr>
+            <a:spLocks noGrp="1"/>
+          </p:cNvSpPr>
+          <p:nvPr>
+            <p:ph idx="1"/>
+          </p:nvPr>
+        </p:nvSpPr>
+        <p:spPr/>
+        <p:txBody>
+          <a:bodyPr/>
+          <a:lstStyle/>
+          <a:p>
+            <a:r>
+              <a:rPr lang="fr-FR" dirty="0" smtClean="0"/>
+              <a:t>Un service après injection peut donc utiliser un autre service</a:t>
+            </a:r>
+          </a:p>
+        </p:txBody>
+      </p:sp>
+      <p:pic>
+        <p:nvPicPr>
+          <p:cNvPr id="4" name="Image 3"/>
+          <p:cNvPicPr>
+            <a:picLocks noChangeAspect="1"/>
+          </p:cNvPicPr>
+          <p:nvPr/>
+        </p:nvPicPr>
+        <p:blipFill>
+          <a:blip r:embed="rId2"/>
+          <a:stretch>
+            <a:fillRect/>
+          </a:stretch>
+        </p:blipFill>
+        <p:spPr>
+          <a:xfrm>
+            <a:off x="467544" y="2708920"/>
+            <a:ext cx="7511160" cy="2088232"/>
+          </a:xfrm>
+          <a:prstGeom prst="rect">
+            <a:avLst/>
+          </a:prstGeom>
+        </p:spPr>
+      </p:pic>
+    </p:spTree>
+    <p:extLst>
+      <p:ext uri="{BB962C8B-B14F-4D97-AF65-F5344CB8AC3E}">
+        <p14:creationId xmlns:p14="http://schemas.microsoft.com/office/powerpoint/2010/main" val="3565227874"/>
+      </p:ext>
+    </p:extLst>
+  </p:cSld>
+  <p:clrMapOvr>
+    <a:masterClrMapping/>
+  </p:clrMapOvr>
+</p:sld>
+</file>
+
+<file path=ppt/slides/slide26.xml><?xml version="1.0" encoding="utf-8"?>
+<p:sld xmlns:a="http://schemas.openxmlformats.org/drawingml/2006/main" xmlns:r="http://schemas.openxmlformats.org/officeDocument/2006/relationships" xmlns:p="http://schemas.openxmlformats.org/presentationml/2006/main">
+  <p:cSld>
+    <p:spTree>
+      <p:nvGrpSpPr>
+        <p:cNvPr id="1" name=""/>
+        <p:cNvGrpSpPr/>
+        <p:nvPr/>
+      </p:nvGrpSpPr>
+      <p:grpSpPr>
+        <a:xfrm>
+          <a:off x="0" y="0"/>
+          <a:ext cx="0" cy="0"/>
+          <a:chOff x="0" y="0"/>
+          <a:chExt cx="0" cy="0"/>
+        </a:xfrm>
+      </p:grpSpPr>
+      <p:sp>
+        <p:nvSpPr>
+          <p:cNvPr id="2" name="Titre 1"/>
+          <p:cNvSpPr>
+            <a:spLocks noGrp="1"/>
+          </p:cNvSpPr>
+          <p:nvPr>
+            <p:ph type="title"/>
+          </p:nvPr>
+        </p:nvSpPr>
+        <p:spPr/>
+        <p:txBody>
+          <a:bodyPr/>
+          <a:lstStyle/>
+          <a:p>
+            <a:r>
+              <a:rPr lang="fr-FR" dirty="0" smtClean="0"/>
+              <a:t>Affichage du message</a:t>
+            </a:r>
+            <a:endParaRPr lang="fr-FR" dirty="0"/>
+          </a:p>
+        </p:txBody>
+      </p:sp>
+      <p:sp>
+        <p:nvSpPr>
+          <p:cNvPr id="3" name="Espace réservé du contenu 2"/>
+          <p:cNvSpPr>
+            <a:spLocks noGrp="1"/>
+          </p:cNvSpPr>
+          <p:nvPr>
+            <p:ph idx="1"/>
+          </p:nvPr>
+        </p:nvSpPr>
+        <p:spPr/>
+        <p:txBody>
+          <a:bodyPr/>
+          <a:lstStyle/>
+          <a:p>
+            <a:r>
+              <a:rPr lang="fr-FR" dirty="0" smtClean="0"/>
+              <a:t>Le message peut être affiché depuis un composant</a:t>
+            </a:r>
+          </a:p>
+          <a:p>
+            <a:pPr lvl="1"/>
+            <a:r>
+              <a:rPr lang="fr-FR" dirty="0" smtClean="0"/>
+              <a:t>Il est préférable de créer un nouveau composant plutôt que de réutilisé </a:t>
+            </a:r>
+            <a:r>
+              <a:rPr lang="fr-FR" dirty="0" err="1" smtClean="0"/>
+              <a:t>hero-details</a:t>
+            </a:r>
+            <a:endParaRPr lang="fr-FR" dirty="0" smtClean="0"/>
+          </a:p>
+          <a:p>
+            <a:pPr lvl="1"/>
+            <a:r>
+              <a:rPr lang="fr-FR" dirty="0" err="1" smtClean="0"/>
+              <a:t>Separation</a:t>
+            </a:r>
+            <a:r>
+              <a:rPr lang="fr-FR" dirty="0" smtClean="0"/>
+              <a:t> of </a:t>
+            </a:r>
+            <a:r>
+              <a:rPr lang="fr-FR" dirty="0" err="1" smtClean="0"/>
+              <a:t>Concern</a:t>
+            </a:r>
+            <a:endParaRPr lang="fr-FR" dirty="0" smtClean="0"/>
+          </a:p>
+          <a:p>
+            <a:pPr lvl="1"/>
+            <a:r>
+              <a:rPr lang="fr-FR" dirty="0" err="1"/>
+              <a:t>ng</a:t>
+            </a:r>
+            <a:r>
+              <a:rPr lang="fr-FR" dirty="0"/>
+              <a:t> </a:t>
+            </a:r>
+            <a:r>
+              <a:rPr lang="fr-FR" dirty="0" err="1"/>
+              <a:t>generate</a:t>
+            </a:r>
+            <a:r>
+              <a:rPr lang="fr-FR" dirty="0"/>
+              <a:t> component </a:t>
+            </a:r>
+            <a:r>
+              <a:rPr lang="fr-FR" dirty="0" smtClean="0"/>
+              <a:t>messages</a:t>
+            </a:r>
+          </a:p>
+          <a:p>
+            <a:pPr lvl="1"/>
+            <a:r>
+              <a:rPr lang="fr-FR" dirty="0"/>
+              <a:t>import { </a:t>
+            </a:r>
+            <a:r>
+              <a:rPr lang="fr-FR" dirty="0" err="1"/>
+              <a:t>MessageService</a:t>
+            </a:r>
+            <a:r>
+              <a:rPr lang="fr-FR" dirty="0"/>
+              <a:t> } </a:t>
+            </a:r>
+            <a:r>
+              <a:rPr lang="fr-FR" dirty="0" err="1"/>
+              <a:t>from</a:t>
+            </a:r>
+            <a:r>
+              <a:rPr lang="fr-FR" dirty="0"/>
+              <a:t> '../</a:t>
+            </a:r>
+            <a:r>
+              <a:rPr lang="fr-FR" dirty="0" err="1"/>
+              <a:t>message.service</a:t>
+            </a:r>
+            <a:r>
+              <a:rPr lang="fr-FR" dirty="0" smtClean="0"/>
+              <a:t>';</a:t>
+            </a:r>
+          </a:p>
+          <a:p>
+            <a:pPr lvl="1"/>
+            <a:r>
+              <a:rPr lang="fr-FR" dirty="0" err="1"/>
+              <a:t>constructor</a:t>
+            </a:r>
+            <a:r>
+              <a:rPr lang="fr-FR" dirty="0"/>
+              <a:t>(public </a:t>
+            </a:r>
+            <a:r>
+              <a:rPr lang="fr-FR" dirty="0" err="1"/>
+              <a:t>messageService</a:t>
+            </a:r>
+            <a:r>
+              <a:rPr lang="fr-FR" dirty="0"/>
+              <a:t>: </a:t>
+            </a:r>
+            <a:r>
+              <a:rPr lang="fr-FR" dirty="0" err="1"/>
+              <a:t>MessageService</a:t>
+            </a:r>
+            <a:r>
+              <a:rPr lang="fr-FR"/>
+              <a:t>) {}</a:t>
+            </a:r>
+            <a:endParaRPr lang="fr-FR" dirty="0" smtClean="0"/>
+          </a:p>
+          <a:p>
+            <a:endParaRPr lang="fr-FR" dirty="0"/>
+          </a:p>
+        </p:txBody>
+      </p:sp>
+    </p:spTree>
+    <p:extLst>
+      <p:ext uri="{BB962C8B-B14F-4D97-AF65-F5344CB8AC3E}">
+        <p14:creationId xmlns:p14="http://schemas.microsoft.com/office/powerpoint/2010/main" val="959380372"/>
+      </p:ext>
+    </p:extLst>
+  </p:cSld>
+  <p:clrMapOvr>
+    <a:masterClrMapping/>
+  </p:clrMapOvr>
 </p:sld>
 </file>
 

--- a/ppt/angular/Angular13-RXJS.pptx
+++ b/ppt/angular/Angular13-RXJS.pptx
@@ -4123,6 +4123,13 @@
   <p:clrMapOvr>
     <a:masterClrMapping/>
   </p:clrMapOvr>
+  <p:timing>
+    <p:tnLst>
+      <p:par>
+        <p:cTn id="1" dur="indefinite" restart="never" nodeType="tmRoot"/>
+      </p:par>
+    </p:tnLst>
+  </p:timing>
 </p:sld>
 </file>
 
@@ -4203,8 +4210,13 @@
             <a:pPr lvl="1"/>
             <a:r>
               <a:rPr lang="fr-FR" dirty="0" smtClean="0"/>
-              <a:t>Enregistre une action sur des Observable</a:t>
-            </a:r>
+              <a:t>Enregistre une action sur des </a:t>
+            </a:r>
+            <a:r>
+              <a:rPr lang="fr-FR" dirty="0" smtClean="0"/>
+              <a:t>Observables</a:t>
+            </a:r>
+            <a:endParaRPr lang="fr-FR" dirty="0" smtClean="0"/>
           </a:p>
           <a:p>
             <a:r>
@@ -4354,6 +4366,13 @@
   <p:clrMapOvr>
     <a:masterClrMapping/>
   </p:clrMapOvr>
+  <p:timing>
+    <p:tnLst>
+      <p:par>
+        <p:cTn id="1" dur="indefinite" restart="never" nodeType="tmRoot"/>
+      </p:par>
+    </p:tnLst>
+  </p:timing>
 </p:sld>
 </file>
 
@@ -4495,6 +4514,13 @@
   <p:clrMapOvr>
     <a:masterClrMapping/>
   </p:clrMapOvr>
+  <p:timing>
+    <p:tnLst>
+      <p:par>
+        <p:cTn id="1" dur="indefinite" restart="never" nodeType="tmRoot"/>
+      </p:par>
+    </p:tnLst>
+  </p:timing>
 </p:sld>
 </file>
 
@@ -4598,6 +4624,13 @@
   <p:clrMapOvr>
     <a:masterClrMapping/>
   </p:clrMapOvr>
+  <p:timing>
+    <p:tnLst>
+      <p:par>
+        <p:cTn id="1" dur="indefinite" restart="never" nodeType="tmRoot"/>
+      </p:par>
+    </p:tnLst>
+  </p:timing>
 </p:sld>
 </file>
 
@@ -4731,6 +4764,13 @@
   <p:clrMapOvr>
     <a:masterClrMapping/>
   </p:clrMapOvr>
+  <p:timing>
+    <p:tnLst>
+      <p:par>
+        <p:cTn id="1" dur="indefinite" restart="never" nodeType="tmRoot"/>
+      </p:par>
+    </p:tnLst>
+  </p:timing>
 </p:sld>
 </file>
 
@@ -4805,6 +4845,62 @@
             <a:pPr lvl="1"/>
             <a:endParaRPr lang="fr-FR" dirty="0"/>
           </a:p>
+          <a:p>
+            <a:pPr lvl="1"/>
+            <a:endParaRPr lang="fr-FR" dirty="0" smtClean="0"/>
+          </a:p>
+          <a:p>
+            <a:pPr lvl="1"/>
+            <a:endParaRPr lang="fr-FR" dirty="0"/>
+          </a:p>
+          <a:p>
+            <a:pPr lvl="1"/>
+            <a:endParaRPr lang="fr-FR" dirty="0" smtClean="0"/>
+          </a:p>
+          <a:p>
+            <a:pPr lvl="1"/>
+            <a:endParaRPr lang="fr-FR" dirty="0"/>
+          </a:p>
+          <a:p>
+            <a:pPr marL="457200" lvl="1" indent="0">
+              <a:buNone/>
+            </a:pPr>
+            <a:endParaRPr lang="fr-FR" dirty="0" smtClean="0"/>
+          </a:p>
+          <a:p>
+            <a:r>
+              <a:rPr lang="fr-FR" dirty="0" err="1" smtClean="0"/>
+              <a:t>Find</a:t>
+            </a:r>
+            <a:r>
+              <a:rPr lang="fr-FR" dirty="0" smtClean="0"/>
+              <a:t> est identique à </a:t>
+            </a:r>
+            <a:r>
+              <a:rPr lang="fr-FR" dirty="0" err="1" smtClean="0"/>
+              <a:t>Filter</a:t>
+            </a:r>
+            <a:r>
+              <a:rPr lang="fr-FR" dirty="0" smtClean="0"/>
+              <a:t> mais ne renvoie qu'un </a:t>
+            </a:r>
+            <a:r>
+              <a:rPr lang="fr-FR" dirty="0" err="1" smtClean="0"/>
+              <a:t>élement</a:t>
+            </a:r>
+            <a:endParaRPr lang="fr-FR" dirty="0"/>
+          </a:p>
+          <a:p>
+            <a:pPr lvl="1"/>
+            <a:r>
+              <a:rPr lang="fr-FR" dirty="0" smtClean="0"/>
+              <a:t>Utile pour les clés primaires</a:t>
+            </a:r>
+          </a:p>
+          <a:p>
+            <a:pPr lvl="1"/>
+            <a:endParaRPr lang="fr-FR" dirty="0"/>
+          </a:p>
         </p:txBody>
       </p:sp>
       <p:pic>
@@ -4823,7 +4919,7 @@
         </p:blipFill>
         <p:spPr>
           <a:xfrm>
-            <a:off x="1619672" y="2780928"/>
+            <a:off x="1763688" y="2276872"/>
             <a:ext cx="6264619" cy="2781275"/>
           </a:xfrm>
           <a:prstGeom prst="rect">
@@ -4841,6 +4937,13 @@
   <p:clrMapOvr>
     <a:masterClrMapping/>
   </p:clrMapOvr>
+  <p:timing>
+    <p:tnLst>
+      <p:par>
+        <p:cTn id="1" dur="indefinite" restart="never" nodeType="tmRoot"/>
+      </p:par>
+    </p:tnLst>
+  </p:timing>
 </p:sld>
 </file>
 
@@ -4948,6 +5051,13 @@
   <p:clrMapOvr>
     <a:masterClrMapping/>
   </p:clrMapOvr>
+  <p:timing>
+    <p:tnLst>
+      <p:par>
+        <p:cTn id="1" dur="indefinite" restart="never" nodeType="tmRoot"/>
+      </p:par>
+    </p:tnLst>
+  </p:timing>
 </p:sld>
 </file>
 
@@ -5081,6 +5191,13 @@
   <p:clrMapOvr>
     <a:masterClrMapping/>
   </p:clrMapOvr>
+  <p:timing>
+    <p:tnLst>
+      <p:par>
+        <p:cTn id="1" dur="indefinite" restart="never" nodeType="tmRoot"/>
+      </p:par>
+    </p:tnLst>
+  </p:timing>
 </p:sld>
 </file>
 
@@ -5161,7 +5278,15 @@
           <a:p>
             <a:r>
               <a:rPr lang="fr-FR" dirty="0" smtClean="0"/>
-              <a:t>Les servies manipulent des données</a:t>
+              <a:t>Les </a:t>
+            </a:r>
+            <a:r>
+              <a:rPr lang="fr-FR" dirty="0" smtClean="0"/>
+              <a:t>services </a:t>
+            </a:r>
+            <a:r>
+              <a:rPr lang="fr-FR" dirty="0" smtClean="0"/>
+              <a:t>manipulent des données</a:t>
             </a:r>
           </a:p>
           <a:p>
@@ -5242,6 +5367,13 @@
   <p:clrMapOvr>
     <a:masterClrMapping/>
   </p:clrMapOvr>
+  <p:timing>
+    <p:tnLst>
+      <p:par>
+        <p:cTn id="1" dur="indefinite" restart="never" nodeType="tmRoot"/>
+      </p:par>
+    </p:tnLst>
+  </p:timing>
 </p:sld>
 </file>
 
@@ -5402,6 +5534,13 @@
   <p:clrMapOvr>
     <a:masterClrMapping/>
   </p:clrMapOvr>
+  <p:timing>
+    <p:tnLst>
+      <p:par>
+        <p:cTn id="1" dur="indefinite" restart="never" nodeType="tmRoot"/>
+      </p:par>
+    </p:tnLst>
+  </p:timing>
 </p:sld>
 </file>
 
@@ -5800,6 +5939,13 @@
   <p:clrMapOvr>
     <a:masterClrMapping/>
   </p:clrMapOvr>
+  <p:timing>
+    <p:tnLst>
+      <p:par>
+        <p:cTn id="1" dur="indefinite" restart="never" nodeType="tmRoot"/>
+      </p:par>
+    </p:tnLst>
+  </p:timing>
 </p:sld>
 </file>
 
@@ -5896,6 +6042,13 @@
   <p:clrMapOvr>
     <a:masterClrMapping/>
   </p:clrMapOvr>
+  <p:timing>
+    <p:tnLst>
+      <p:par>
+        <p:cTn id="1" dur="indefinite" restart="never" nodeType="tmRoot"/>
+      </p:par>
+    </p:tnLst>
+  </p:timing>
 </p:sld>
 </file>
 
@@ -5997,6 +6150,13 @@
   <p:clrMapOvr>
     <a:masterClrMapping/>
   </p:clrMapOvr>
+  <p:timing>
+    <p:tnLst>
+      <p:par>
+        <p:cTn id="1" dur="indefinite" restart="never" nodeType="tmRoot"/>
+      </p:par>
+    </p:tnLst>
+  </p:timing>
 </p:sld>
 </file>
 
@@ -6093,6 +6253,13 @@
   <p:clrMapOvr>
     <a:masterClrMapping/>
   </p:clrMapOvr>
+  <p:timing>
+    <p:tnLst>
+      <p:par>
+        <p:cTn id="1" dur="indefinite" restart="never" nodeType="tmRoot"/>
+      </p:par>
+    </p:tnLst>
+  </p:timing>
 </p:sld>
 </file>
 
@@ -6285,6 +6452,13 @@
   <p:clrMapOvr>
     <a:masterClrMapping/>
   </p:clrMapOvr>
+  <p:timing>
+    <p:tnLst>
+      <p:par>
+        <p:cTn id="1" dur="indefinite" restart="never" nodeType="tmRoot"/>
+      </p:par>
+    </p:tnLst>
+  </p:timing>
 </p:sld>
 </file>
 
@@ -6384,6 +6558,13 @@
   <p:clrMapOvr>
     <a:masterClrMapping/>
   </p:clrMapOvr>
+  <p:timing>
+    <p:tnLst>
+      <p:par>
+        <p:cTn id="1" dur="indefinite" restart="never" nodeType="tmRoot"/>
+      </p:par>
+    </p:tnLst>
+  </p:timing>
 </p:sld>
 </file>
 
@@ -6552,7 +6733,7 @@
               <a:t>MessageService</a:t>
             </a:r>
             <a:r>
-              <a:rPr lang="fr-FR"/>
+              <a:rPr lang="fr-FR" dirty="0"/>
               <a:t>) {}</a:t>
             </a:r>
             <a:endParaRPr lang="fr-FR" dirty="0" smtClean="0"/>
@@ -6572,6 +6753,13 @@
   <p:clrMapOvr>
     <a:masterClrMapping/>
   </p:clrMapOvr>
+  <p:timing>
+    <p:tnLst>
+      <p:par>
+        <p:cTn id="1" dur="indefinite" restart="never" nodeType="tmRoot"/>
+      </p:par>
+    </p:tnLst>
+  </p:timing>
 </p:sld>
 </file>
 
@@ -6759,6 +6947,13 @@
   <p:clrMapOvr>
     <a:masterClrMapping/>
   </p:clrMapOvr>
+  <p:timing>
+    <p:tnLst>
+      <p:par>
+        <p:cTn id="1" dur="indefinite" restart="never" nodeType="tmRoot"/>
+      </p:par>
+    </p:tnLst>
+  </p:timing>
 </p:sld>
 </file>
 
@@ -6819,7 +7014,15 @@
           <a:p>
             <a:r>
               <a:rPr lang="fr-FR" dirty="0"/>
-              <a:t>Tout comme les promesses avaient modifié nos habitudes, la programmation réactive nous oblige à apprendre un nouveau </a:t>
+              <a:t>Tout comme les promesses avaient </a:t>
+            </a:r>
+            <a:r>
+              <a:rPr lang="fr-FR" dirty="0" smtClean="0"/>
+              <a:t>modifiées </a:t>
+            </a:r>
+            <a:r>
+              <a:rPr lang="fr-FR" dirty="0"/>
+              <a:t>nos habitudes, la programmation réactive nous oblige à apprendre un nouveau </a:t>
             </a:r>
             <a:r>
               <a:rPr lang="fr-FR" dirty="0" smtClean="0"/>
@@ -6893,6 +7096,13 @@
   <p:clrMapOvr>
     <a:masterClrMapping/>
   </p:clrMapOvr>
+  <p:timing>
+    <p:tnLst>
+      <p:par>
+        <p:cTn id="1" dur="indefinite" restart="never" nodeType="tmRoot"/>
+      </p:par>
+    </p:tnLst>
+  </p:timing>
 </p:sld>
 </file>
 
@@ -7136,6 +7346,13 @@
   <p:clrMapOvr>
     <a:masterClrMapping/>
   </p:clrMapOvr>
+  <p:timing>
+    <p:tnLst>
+      <p:par>
+        <p:cTn id="1" dur="indefinite" restart="never" nodeType="tmRoot"/>
+      </p:par>
+    </p:tnLst>
+  </p:timing>
 </p:sld>
 </file>
 
@@ -7274,6 +7491,13 @@
   <p:clrMapOvr>
     <a:masterClrMapping/>
   </p:clrMapOvr>
+  <p:timing>
+    <p:tnLst>
+      <p:par>
+        <p:cTn id="1" dur="indefinite" restart="never" nodeType="tmRoot"/>
+      </p:par>
+    </p:tnLst>
+  </p:timing>
 </p:sld>
 </file>
 
@@ -7385,6 +7609,13 @@
   <p:clrMapOvr>
     <a:masterClrMapping/>
   </p:clrMapOvr>
+  <p:timing>
+    <p:tnLst>
+      <p:par>
+        <p:cTn id="1" dur="indefinite" restart="never" nodeType="tmRoot"/>
+      </p:par>
+    </p:tnLst>
+  </p:timing>
 </p:sld>
 </file>
 
@@ -7527,6 +7758,13 @@
   <p:clrMapOvr>
     <a:masterClrMapping/>
   </p:clrMapOvr>
+  <p:timing>
+    <p:tnLst>
+      <p:par>
+        <p:cTn id="1" dur="indefinite" restart="never" nodeType="tmRoot"/>
+      </p:par>
+    </p:tnLst>
+  </p:timing>
 </p:sld>
 </file>
 
@@ -7674,6 +7912,13 @@
   <p:clrMapOvr>
     <a:masterClrMapping/>
   </p:clrMapOvr>
+  <p:timing>
+    <p:tnLst>
+      <p:par>
+        <p:cTn id="1" dur="indefinite" restart="never" nodeType="tmRoot"/>
+      </p:par>
+    </p:tnLst>
+  </p:timing>
 </p:sld>
 </file>
 
